--- a/2. DB/day27/3조ppt.pptx
+++ b/2. DB/day27/3조ppt.pptx
@@ -31050,7 +31050,7 @@
           <p:nvPr>
             <p:extLst>
               <p:ext uri="{D42A27DB-BD31-4B8C-83A1-F6EECF244321}">
-                <p14:modId xmlns:p14="http://schemas.microsoft.com/office/powerpoint/2010/main" val="2288776511"/>
+                <p14:modId xmlns:p14="http://schemas.microsoft.com/office/powerpoint/2010/main" val="2855948841"/>
               </p:ext>
             </p:extLst>
           </p:nvPr>
@@ -31081,19 +31081,25 @@
                     <a:bodyPr/>
                     <a:lstStyle/>
                     <a:p>
-                      <a:pPr algn="l" latinLnBrk="1"/>
-                      <a:r>
-                        <a:rPr lang="en-US" altLang="ko-KR" sz="1100" dirty="0" smtClean="0">
-                          <a:solidFill>
-                            <a:schemeClr val="bg1"/>
-                          </a:solidFill>
+                      <a:pPr marL="0" algn="l" defTabSz="914400" rtl="0" eaLnBrk="1" latinLnBrk="1" hangingPunct="1"/>
+                      <a:r>
+                        <a:rPr lang="en-US" altLang="ko-KR" sz="1800" b="1" kern="1200" dirty="0" smtClean="0">
+                          <a:solidFill>
+                            <a:schemeClr val="bg1"/>
+                          </a:solidFill>
+                          <a:latin typeface="+mn-lt"/>
+                          <a:ea typeface="+mn-ea"/>
+                          <a:cs typeface="+mn-cs"/>
                         </a:rPr>
                         <a:t>ITEM</a:t>
                       </a:r>
-                      <a:endParaRPr lang="ko-KR" altLang="en-US" sz="1100" dirty="0">
-                        <a:solidFill>
-                          <a:schemeClr val="bg1"/>
-                        </a:solidFill>
+                      <a:endParaRPr lang="ko-KR" altLang="en-US" sz="1800" b="1" kern="1200" dirty="0">
+                        <a:solidFill>
+                          <a:schemeClr val="bg1"/>
+                        </a:solidFill>
+                        <a:latin typeface="+mn-lt"/>
+                        <a:ea typeface="+mn-ea"/>
+                        <a:cs typeface="+mn-cs"/>
                       </a:endParaRPr>
                     </a:p>
                   </a:txBody>
@@ -31233,7 +31239,7 @@
                     <a:p>
                       <a:pPr algn="l" fontAlgn="ctr"/>
                       <a:r>
-                        <a:rPr lang="en-US" sz="1100" b="1" u="none" strike="noStrike" dirty="0">
+                        <a:rPr lang="en-US" sz="1100" b="1" u="none" strike="noStrike" dirty="0" smtClean="0">
                           <a:solidFill>
                             <a:schemeClr val="bg1"/>
                           </a:solidFill>
@@ -31259,7 +31265,7 @@
                     <a:p>
                       <a:pPr algn="l" fontAlgn="ctr"/>
                       <a:r>
-                        <a:rPr lang="en-US" sz="1100" b="1" u="none" strike="noStrike" dirty="0">
+                        <a:rPr lang="en-US" sz="1100" b="1" u="none" strike="noStrike" smtClean="0">
                           <a:solidFill>
                             <a:schemeClr val="bg1"/>
                           </a:solidFill>
@@ -31285,7 +31291,7 @@
                     <a:p>
                       <a:pPr algn="l" fontAlgn="ctr"/>
                       <a:r>
-                        <a:rPr lang="en-US" sz="1100" b="1" u="none" strike="noStrike" dirty="0" smtClean="0">
+                        <a:rPr lang="en-US" sz="1100" b="1" u="none" strike="noStrike" smtClean="0">
                           <a:solidFill>
                             <a:schemeClr val="bg1"/>
                           </a:solidFill>
@@ -31311,7 +31317,7 @@
                     <a:p>
                       <a:pPr algn="l" fontAlgn="ctr"/>
                       <a:r>
-                        <a:rPr lang="en-US" sz="1100" b="1" u="none" strike="noStrike" dirty="0">
+                        <a:rPr lang="en-US" sz="1100" b="1" u="none" strike="noStrike" smtClean="0">
                           <a:solidFill>
                             <a:schemeClr val="bg1"/>
                           </a:solidFill>
@@ -31337,7 +31343,7 @@
                     <a:p>
                       <a:pPr algn="l" fontAlgn="ctr"/>
                       <a:r>
-                        <a:rPr lang="en-US" sz="1100" b="1" u="none" strike="noStrike" dirty="0">
+                        <a:rPr lang="en-US" sz="1100" b="1" u="none" strike="noStrike" smtClean="0">
                           <a:solidFill>
                             <a:schemeClr val="bg1"/>
                           </a:solidFill>
@@ -31363,7 +31369,7 @@
                     <a:p>
                       <a:pPr algn="l" fontAlgn="ctr"/>
                       <a:r>
-                        <a:rPr lang="en-US" sz="1100" b="1" u="none" strike="noStrike" dirty="0">
+                        <a:rPr lang="en-US" sz="1100" b="1" u="none" strike="noStrike" smtClean="0">
                           <a:solidFill>
                             <a:schemeClr val="bg1"/>
                           </a:solidFill>
@@ -31389,7 +31395,7 @@
                     <a:p>
                       <a:pPr algn="l" fontAlgn="ctr"/>
                       <a:r>
-                        <a:rPr lang="en-US" sz="1100" b="1" u="none" strike="noStrike" dirty="0">
+                        <a:rPr lang="en-US" sz="1100" b="1" u="none" strike="noStrike" smtClean="0">
                           <a:solidFill>
                             <a:schemeClr val="bg1"/>
                           </a:solidFill>
@@ -31415,22 +31421,13 @@
                     <a:p>
                       <a:pPr algn="l" fontAlgn="ctr"/>
                       <a:r>
-                        <a:rPr lang="en-US" sz="1100" b="1" u="none" strike="noStrike" dirty="0">
-                          <a:solidFill>
-                            <a:schemeClr val="bg1"/>
-                          </a:solidFill>
-                          <a:effectLst/>
-                        </a:rPr>
-                        <a:t>Column </a:t>
-                      </a:r>
-                      <a:r>
-                        <a:rPr lang="en-US" sz="1100" b="1" u="none" strike="noStrike" dirty="0" err="1">
-                          <a:solidFill>
-                            <a:schemeClr val="bg1"/>
-                          </a:solidFill>
-                          <a:effectLst/>
-                        </a:rPr>
-                        <a:t>Desc</a:t>
+                        <a:rPr lang="en-US" sz="1100" b="1" u="none" strike="noStrike" smtClean="0">
+                          <a:solidFill>
+                            <a:schemeClr val="bg1"/>
+                          </a:solidFill>
+                          <a:effectLst/>
+                        </a:rPr>
+                        <a:t>Column Desc</a:t>
                       </a:r>
                       <a:endParaRPr lang="en-US" sz="1100" b="1" i="0" u="none" strike="noStrike" dirty="0">
                         <a:solidFill>
@@ -31478,7 +31475,7 @@
                     <a:p>
                       <a:pPr algn="l" fontAlgn="ctr"/>
                       <a:r>
-                        <a:rPr lang="en-US" sz="1100" u="none" strike="noStrike" dirty="0">
+                        <a:rPr lang="en-US" sz="1100" u="none" strike="noStrike" dirty="0" smtClean="0">
                           <a:solidFill>
                             <a:schemeClr val="bg1"/>
                           </a:solidFill>
@@ -31504,7 +31501,7 @@
                     <a:p>
                       <a:pPr algn="l" fontAlgn="ctr"/>
                       <a:r>
-                        <a:rPr lang="en-US" sz="1100" u="none" strike="noStrike" dirty="0">
+                        <a:rPr lang="en-US" sz="1100" u="none" strike="noStrike" smtClean="0">
                           <a:solidFill>
                             <a:schemeClr val="bg1"/>
                           </a:solidFill>
@@ -31530,7 +31527,7 @@
                     <a:p>
                       <a:pPr algn="l" fontAlgn="ctr"/>
                       <a:r>
-                        <a:rPr lang="en-US" sz="1100" u="none" strike="noStrike">
+                        <a:rPr lang="en-US" sz="1100" u="none" strike="noStrike" smtClean="0">
                           <a:solidFill>
                             <a:schemeClr val="bg1"/>
                           </a:solidFill>
@@ -31556,7 +31553,7 @@
                     <a:p>
                       <a:pPr algn="l" fontAlgn="ctr"/>
                       <a:r>
-                        <a:rPr lang="ko-KR" altLang="en-US" sz="1100" u="none" strike="noStrike">
+                        <a:rPr lang="ko-KR" altLang="en-US" sz="1100" u="none" strike="noStrike" smtClean="0">
                           <a:solidFill>
                             <a:schemeClr val="bg1"/>
                           </a:solidFill>
@@ -31582,7 +31579,7 @@
                     <a:p>
                       <a:pPr algn="l" fontAlgn="ctr"/>
                       <a:r>
-                        <a:rPr lang="ko-KR" altLang="en-US" sz="1100" u="none" strike="noStrike" dirty="0">
+                        <a:rPr lang="ko-KR" altLang="en-US" sz="1100" u="none" strike="noStrike" smtClean="0">
                           <a:solidFill>
                             <a:schemeClr val="bg1"/>
                           </a:solidFill>
@@ -31608,7 +31605,7 @@
                     <a:p>
                       <a:pPr algn="l" fontAlgn="ctr"/>
                       <a:r>
-                        <a:rPr lang="ko-KR" altLang="en-US" sz="1100" u="none" strike="noStrike">
+                        <a:rPr lang="ko-KR" altLang="en-US" sz="1100" u="none" strike="noStrike" smtClean="0">
                           <a:solidFill>
                             <a:schemeClr val="bg1"/>
                           </a:solidFill>
@@ -31634,7 +31631,7 @@
                     <a:p>
                       <a:pPr algn="l" fontAlgn="ctr"/>
                       <a:r>
-                        <a:rPr lang="ko-KR" altLang="en-US" sz="1100" u="none" strike="noStrike" dirty="0">
+                        <a:rPr lang="ko-KR" altLang="en-US" sz="1100" u="none" strike="noStrike" smtClean="0">
                           <a:solidFill>
                             <a:schemeClr val="bg1"/>
                           </a:solidFill>
@@ -31643,7 +31640,7 @@
                         <a:t>제품</a:t>
                       </a:r>
                       <a:r>
-                        <a:rPr lang="en-US" altLang="ko-KR" sz="1100" u="none" strike="noStrike" dirty="0">
+                        <a:rPr lang="en-US" altLang="ko-KR" sz="1100" u="none" strike="noStrike" smtClean="0">
                           <a:solidFill>
                             <a:schemeClr val="bg1"/>
                           </a:solidFill>
@@ -31652,7 +31649,7 @@
                         <a:t>_</a:t>
                       </a:r>
                       <a:r>
-                        <a:rPr lang="ko-KR" altLang="en-US" sz="1100" u="none" strike="noStrike" dirty="0">
+                        <a:rPr lang="ko-KR" altLang="en-US" sz="1100" u="none" strike="noStrike" smtClean="0">
                           <a:solidFill>
                             <a:schemeClr val="bg1"/>
                           </a:solidFill>
@@ -31706,7 +31703,7 @@
                     <a:p>
                       <a:pPr algn="l" fontAlgn="ctr"/>
                       <a:r>
-                        <a:rPr lang="en-US" sz="1100" u="none" strike="noStrike" dirty="0">
+                        <a:rPr lang="en-US" sz="1100" u="none" strike="noStrike" smtClean="0">
                           <a:solidFill>
                             <a:schemeClr val="bg1"/>
                           </a:solidFill>
@@ -31732,7 +31729,7 @@
                     <a:p>
                       <a:pPr algn="l" fontAlgn="ctr"/>
                       <a:r>
-                        <a:rPr lang="ko-KR" altLang="en-US" sz="1100" u="none" strike="noStrike" dirty="0">
+                        <a:rPr lang="ko-KR" altLang="en-US" sz="1100" u="none" strike="noStrike" dirty="0" smtClean="0">
                           <a:solidFill>
                             <a:schemeClr val="bg1"/>
                           </a:solidFill>
@@ -31758,7 +31755,7 @@
                     <a:p>
                       <a:pPr algn="l" fontAlgn="ctr"/>
                       <a:r>
-                        <a:rPr lang="en-US" sz="1100" u="none" strike="noStrike" dirty="0">
+                        <a:rPr lang="en-US" sz="1100" u="none" strike="noStrike" dirty="0" smtClean="0">
                           <a:solidFill>
                             <a:schemeClr val="bg1"/>
                           </a:solidFill>
@@ -31784,7 +31781,7 @@
                     <a:p>
                       <a:pPr algn="l" fontAlgn="ctr"/>
                       <a:r>
-                        <a:rPr lang="ko-KR" altLang="en-US" sz="1100" u="none" strike="noStrike">
+                        <a:rPr lang="ko-KR" altLang="en-US" sz="1100" u="none" strike="noStrike" dirty="0" smtClean="0">
                           <a:solidFill>
                             <a:schemeClr val="bg1"/>
                           </a:solidFill>
@@ -31792,6 +31789,58 @@
                         </a:rPr>
                         <a:t>　</a:t>
                       </a:r>
+                      <a:endParaRPr lang="ko-KR" altLang="en-US" sz="1100" b="0" i="0" u="none" strike="noStrike" dirty="0">
+                        <a:solidFill>
+                          <a:schemeClr val="bg1"/>
+                        </a:solidFill>
+                        <a:effectLst/>
+                        <a:latin typeface="Arial"/>
+                      </a:endParaRPr>
+                    </a:p>
+                  </a:txBody>
+                  <a:tcPr marL="36000" marR="7620" marT="7620" marB="0" anchor="ctr"/>
+                </a:tc>
+                <a:tc>
+                  <a:txBody>
+                    <a:bodyPr/>
+                    <a:lstStyle/>
+                    <a:p>
+                      <a:pPr algn="l" fontAlgn="ctr"/>
+                      <a:r>
+                        <a:rPr lang="ko-KR" altLang="en-US" sz="1100" u="none" strike="noStrike" smtClean="0">
+                          <a:solidFill>
+                            <a:schemeClr val="bg1"/>
+                          </a:solidFill>
+                          <a:effectLst/>
+                        </a:rPr>
+                        <a:t>　</a:t>
+                      </a:r>
+                      <a:endParaRPr lang="ko-KR" altLang="en-US" sz="1100" b="0" i="0" u="none" strike="noStrike" dirty="0">
+                        <a:solidFill>
+                          <a:schemeClr val="bg1"/>
+                        </a:solidFill>
+                        <a:effectLst/>
+                        <a:latin typeface="Arial"/>
+                      </a:endParaRPr>
+                    </a:p>
+                  </a:txBody>
+                  <a:tcPr marL="36000" marR="7620" marT="7620" marB="0" anchor="ctr"/>
+                </a:tc>
+                <a:tc>
+                  <a:txBody>
+                    <a:bodyPr/>
+                    <a:lstStyle/>
+                    <a:p>
+                      <a:pPr algn="l" fontAlgn="ctr"/>
+                      <a:r>
+                        <a:rPr lang="ko-KR" altLang="en-US" sz="1100" u="none" strike="noStrike" smtClean="0">
+                          <a:solidFill>
+                            <a:schemeClr val="bg1"/>
+                          </a:solidFill>
+                          <a:effectLst/>
+                        </a:rPr>
+                        <a:t>　</a:t>
+                      </a:r>
                       <a:endParaRPr lang="ko-KR" altLang="en-US" sz="1100" b="0" i="0" u="none" strike="noStrike">
                         <a:solidFill>
                           <a:schemeClr val="bg1"/>
@@ -31810,59 +31859,7 @@
                     <a:p>
                       <a:pPr algn="l" fontAlgn="ctr"/>
                       <a:r>
-                        <a:rPr lang="ko-KR" altLang="en-US" sz="1100" u="none" strike="noStrike" dirty="0">
-                          <a:solidFill>
-                            <a:schemeClr val="bg1"/>
-                          </a:solidFill>
-                          <a:effectLst/>
-                        </a:rPr>
-                        <a:t>　</a:t>
-                      </a:r>
-                      <a:endParaRPr lang="ko-KR" altLang="en-US" sz="1100" b="0" i="0" u="none" strike="noStrike" dirty="0">
-                        <a:solidFill>
-                          <a:schemeClr val="bg1"/>
-                        </a:solidFill>
-                        <a:effectLst/>
-                        <a:latin typeface="Arial"/>
-                      </a:endParaRPr>
-                    </a:p>
-                  </a:txBody>
-                  <a:tcPr marL="36000" marR="7620" marT="7620" marB="0" anchor="ctr"/>
-                </a:tc>
-                <a:tc>
-                  <a:txBody>
-                    <a:bodyPr/>
-                    <a:lstStyle/>
-                    <a:p>
-                      <a:pPr algn="l" fontAlgn="ctr"/>
-                      <a:r>
-                        <a:rPr lang="ko-KR" altLang="en-US" sz="1100" u="none" strike="noStrike">
-                          <a:solidFill>
-                            <a:schemeClr val="bg1"/>
-                          </a:solidFill>
-                          <a:effectLst/>
-                        </a:rPr>
-                        <a:t>　</a:t>
-                      </a:r>
-                      <a:endParaRPr lang="ko-KR" altLang="en-US" sz="1100" b="0" i="0" u="none" strike="noStrike">
-                        <a:solidFill>
-                          <a:schemeClr val="bg1"/>
-                        </a:solidFill>
-                        <a:effectLst/>
-                        <a:latin typeface="Arial"/>
-                      </a:endParaRPr>
-                    </a:p>
-                  </a:txBody>
-                  <a:tcPr marL="36000" marR="7620" marT="7620" marB="0" anchor="ctr"/>
-                </a:tc>
-                <a:tc>
-                  <a:txBody>
-                    <a:bodyPr/>
-                    <a:lstStyle/>
-                    <a:p>
-                      <a:pPr algn="l" fontAlgn="ctr"/>
-                      <a:r>
-                        <a:rPr lang="ko-KR" altLang="en-US" sz="1100" u="none" strike="noStrike" dirty="0">
+                        <a:rPr lang="ko-KR" altLang="en-US" sz="1100" u="none" strike="noStrike" smtClean="0">
                           <a:solidFill>
                             <a:schemeClr val="bg1"/>
                           </a:solidFill>
@@ -31871,7 +31868,7 @@
                         <a:t>제품</a:t>
                       </a:r>
                       <a:r>
-                        <a:rPr lang="en-US" altLang="ko-KR" sz="1100" u="none" strike="noStrike" dirty="0">
+                        <a:rPr lang="en-US" altLang="ko-KR" sz="1100" u="none" strike="noStrike" smtClean="0">
                           <a:solidFill>
                             <a:schemeClr val="bg1"/>
                           </a:solidFill>
@@ -31880,7 +31877,7 @@
                         <a:t>_</a:t>
                       </a:r>
                       <a:r>
-                        <a:rPr lang="ko-KR" altLang="en-US" sz="1100" u="none" strike="noStrike" dirty="0">
+                        <a:rPr lang="ko-KR" altLang="en-US" sz="1100" u="none" strike="noStrike" smtClean="0">
                           <a:solidFill>
                             <a:schemeClr val="bg1"/>
                           </a:solidFill>
@@ -31908,7 +31905,7 @@
                     <a:p>
                       <a:pPr algn="l" fontAlgn="ctr"/>
                       <a:r>
-                        <a:rPr lang="en-US" sz="1100" u="none" strike="noStrike" dirty="0" err="1" smtClean="0">
+                        <a:rPr lang="en-US" sz="1100" u="none" strike="noStrike" smtClean="0">
                           <a:solidFill>
                             <a:schemeClr val="bg1"/>
                           </a:solidFill>
@@ -31934,7 +31931,7 @@
                     <a:p>
                       <a:pPr algn="l" fontAlgn="ctr"/>
                       <a:r>
-                        <a:rPr lang="en-US" sz="1100" u="none" strike="noStrike" dirty="0">
+                        <a:rPr lang="en-US" sz="1100" u="none" strike="noStrike" smtClean="0">
                           <a:solidFill>
                             <a:schemeClr val="bg1"/>
                           </a:solidFill>
@@ -31960,7 +31957,7 @@
                     <a:p>
                       <a:pPr algn="l" fontAlgn="ctr"/>
                       <a:r>
-                        <a:rPr lang="ko-KR" altLang="en-US" sz="1100" u="none" strike="noStrike" dirty="0">
+                        <a:rPr lang="ko-KR" altLang="en-US" sz="1100" u="none" strike="noStrike" smtClean="0">
                           <a:solidFill>
                             <a:schemeClr val="bg1"/>
                           </a:solidFill>
@@ -31986,7 +31983,7 @@
                     <a:p>
                       <a:pPr algn="l" fontAlgn="ctr"/>
                       <a:r>
-                        <a:rPr lang="ko-KR" altLang="en-US" sz="1100" u="none" strike="noStrike" dirty="0">
+                        <a:rPr lang="ko-KR" altLang="en-US" sz="1100" u="none" strike="noStrike" smtClean="0">
                           <a:solidFill>
                             <a:schemeClr val="bg1"/>
                           </a:solidFill>
@@ -32012,7 +32009,7 @@
                     <a:p>
                       <a:pPr algn="l" fontAlgn="ctr"/>
                       <a:r>
-                        <a:rPr lang="ko-KR" altLang="en-US" sz="1100" u="none" strike="noStrike" dirty="0">
+                        <a:rPr lang="ko-KR" altLang="en-US" sz="1100" u="none" strike="noStrike" dirty="0" smtClean="0">
                           <a:solidFill>
                             <a:schemeClr val="bg1"/>
                           </a:solidFill>
@@ -32038,7 +32035,7 @@
                     <a:p>
                       <a:pPr algn="l" fontAlgn="ctr"/>
                       <a:r>
-                        <a:rPr lang="ko-KR" altLang="en-US" sz="1100" u="none" strike="noStrike" dirty="0">
+                        <a:rPr lang="ko-KR" altLang="en-US" sz="1100" u="none" strike="noStrike" dirty="0" smtClean="0">
                           <a:solidFill>
                             <a:schemeClr val="bg1"/>
                           </a:solidFill>
@@ -32064,7 +32061,7 @@
                     <a:p>
                       <a:pPr algn="l" fontAlgn="ctr"/>
                       <a:r>
-                        <a:rPr lang="ko-KR" altLang="en-US" sz="1100" u="none" strike="noStrike">
+                        <a:rPr lang="ko-KR" altLang="en-US" sz="1100" u="none" strike="noStrike" smtClean="0">
                           <a:solidFill>
                             <a:schemeClr val="bg1"/>
                           </a:solidFill>
@@ -32090,7 +32087,7 @@
                     <a:p>
                       <a:pPr algn="l" fontAlgn="ctr"/>
                       <a:r>
-                        <a:rPr lang="ko-KR" altLang="en-US" sz="1100" u="none" strike="noStrike" dirty="0">
+                        <a:rPr lang="ko-KR" altLang="en-US" sz="1100" u="none" strike="noStrike" smtClean="0">
                           <a:solidFill>
                             <a:schemeClr val="bg1"/>
                           </a:solidFill>
@@ -32099,7 +32096,7 @@
                         <a:t>제품</a:t>
                       </a:r>
                       <a:r>
-                        <a:rPr lang="en-US" altLang="ko-KR" sz="1100" u="none" strike="noStrike" dirty="0">
+                        <a:rPr lang="en-US" altLang="ko-KR" sz="1100" u="none" strike="noStrike" smtClean="0">
                           <a:solidFill>
                             <a:schemeClr val="bg1"/>
                           </a:solidFill>
@@ -32108,7 +32105,7 @@
                         <a:t>_</a:t>
                       </a:r>
                       <a:r>
-                        <a:rPr lang="ko-KR" altLang="en-US" sz="1100" u="none" strike="noStrike" dirty="0">
+                        <a:rPr lang="ko-KR" altLang="en-US" sz="1100" u="none" strike="noStrike" smtClean="0">
                           <a:solidFill>
                             <a:schemeClr val="bg1"/>
                           </a:solidFill>
@@ -32136,7 +32133,7 @@
                     <a:p>
                       <a:pPr algn="l" fontAlgn="ctr"/>
                       <a:r>
-                        <a:rPr lang="en-US" sz="1100" u="none" strike="noStrike" dirty="0" err="1" smtClean="0">
+                        <a:rPr lang="en-US" sz="1100" u="none" strike="noStrike" smtClean="0">
                           <a:solidFill>
                             <a:schemeClr val="bg1"/>
                           </a:solidFill>
@@ -32162,7 +32159,7 @@
                     <a:p>
                       <a:pPr algn="l" fontAlgn="ctr"/>
                       <a:r>
-                        <a:rPr lang="en-US" sz="1100" u="none" strike="noStrike" dirty="0">
+                        <a:rPr lang="en-US" sz="1100" u="none" strike="noStrike" smtClean="0">
                           <a:solidFill>
                             <a:schemeClr val="bg1"/>
                           </a:solidFill>
@@ -32188,7 +32185,7 @@
                     <a:p>
                       <a:pPr algn="l" fontAlgn="ctr"/>
                       <a:r>
-                        <a:rPr lang="ko-KR" altLang="en-US" sz="1100" u="none" strike="noStrike" dirty="0">
+                        <a:rPr lang="ko-KR" altLang="en-US" sz="1100" u="none" strike="noStrike" smtClean="0">
                           <a:solidFill>
                             <a:schemeClr val="bg1"/>
                           </a:solidFill>
@@ -32214,7 +32211,7 @@
                     <a:p>
                       <a:pPr algn="l" fontAlgn="ctr"/>
                       <a:r>
-                        <a:rPr lang="ko-KR" altLang="en-US" sz="1100" u="none" strike="noStrike" dirty="0">
+                        <a:rPr lang="ko-KR" altLang="en-US" sz="1100" u="none" strike="noStrike" smtClean="0">
                           <a:solidFill>
                             <a:schemeClr val="bg1"/>
                           </a:solidFill>
@@ -32240,7 +32237,7 @@
                     <a:p>
                       <a:pPr algn="l" fontAlgn="ctr"/>
                       <a:r>
-                        <a:rPr lang="ko-KR" altLang="en-US" sz="1100" u="none" strike="noStrike" dirty="0">
+                        <a:rPr lang="ko-KR" altLang="en-US" sz="1100" u="none" strike="noStrike" smtClean="0">
                           <a:solidFill>
                             <a:schemeClr val="bg1"/>
                           </a:solidFill>
@@ -32266,7 +32263,7 @@
                     <a:p>
                       <a:pPr algn="l" fontAlgn="ctr"/>
                       <a:r>
-                        <a:rPr lang="ko-KR" altLang="en-US" sz="1100" u="none" strike="noStrike" dirty="0">
+                        <a:rPr lang="ko-KR" altLang="en-US" sz="1100" u="none" strike="noStrike" dirty="0" smtClean="0">
                           <a:solidFill>
                             <a:schemeClr val="bg1"/>
                           </a:solidFill>
@@ -32292,7 +32289,7 @@
                     <a:p>
                       <a:pPr algn="l" fontAlgn="ctr"/>
                       <a:r>
-                        <a:rPr lang="ko-KR" altLang="en-US" sz="1100" u="none" strike="noStrike" dirty="0">
+                        <a:rPr lang="ko-KR" altLang="en-US" sz="1100" u="none" strike="noStrike" smtClean="0">
                           <a:solidFill>
                             <a:schemeClr val="bg1"/>
                           </a:solidFill>
@@ -32318,7 +32315,7 @@
                     <a:p>
                       <a:pPr algn="l" fontAlgn="ctr"/>
                       <a:r>
-                        <a:rPr lang="ko-KR" altLang="en-US" sz="1100" u="none" strike="noStrike">
+                        <a:rPr lang="ko-KR" altLang="en-US" sz="1100" u="none" strike="noStrike" smtClean="0">
                           <a:solidFill>
                             <a:schemeClr val="bg1"/>
                           </a:solidFill>
@@ -32327,7 +32324,7 @@
                         <a:t>제품</a:t>
                       </a:r>
                       <a:r>
-                        <a:rPr lang="en-US" altLang="ko-KR" sz="1100" u="none" strike="noStrike">
+                        <a:rPr lang="en-US" altLang="ko-KR" sz="1100" u="none" strike="noStrike" smtClean="0">
                           <a:solidFill>
                             <a:schemeClr val="bg1"/>
                           </a:solidFill>
@@ -32336,7 +32333,7 @@
                         <a:t>_</a:t>
                       </a:r>
                       <a:r>
-                        <a:rPr lang="ko-KR" altLang="en-US" sz="1100" u="none" strike="noStrike">
+                        <a:rPr lang="ko-KR" altLang="en-US" sz="1100" u="none" strike="noStrike" smtClean="0">
                           <a:solidFill>
                             <a:schemeClr val="bg1"/>
                           </a:solidFill>
@@ -32364,7 +32361,7 @@
                     <a:p>
                       <a:pPr algn="l" fontAlgn="ctr"/>
                       <a:r>
-                        <a:rPr lang="en-US" sz="1100" u="none" strike="noStrike" dirty="0" err="1" smtClean="0">
+                        <a:rPr lang="en-US" sz="1100" u="none" strike="noStrike" smtClean="0">
                           <a:solidFill>
                             <a:schemeClr val="bg1"/>
                           </a:solidFill>
@@ -32390,7 +32387,7 @@
                     <a:p>
                       <a:pPr algn="l" fontAlgn="ctr"/>
                       <a:r>
-                        <a:rPr lang="en-US" sz="1100" u="none" strike="noStrike">
+                        <a:rPr lang="en-US" sz="1100" u="none" strike="noStrike" smtClean="0">
                           <a:solidFill>
                             <a:schemeClr val="bg1"/>
                           </a:solidFill>
@@ -32416,7 +32413,7 @@
                     <a:p>
                       <a:pPr algn="l" fontAlgn="ctr"/>
                       <a:r>
-                        <a:rPr lang="ko-KR" altLang="en-US" sz="1100" u="none" strike="noStrike" dirty="0">
+                        <a:rPr lang="ko-KR" altLang="en-US" sz="1100" u="none" strike="noStrike" smtClean="0">
                           <a:solidFill>
                             <a:schemeClr val="bg1"/>
                           </a:solidFill>
@@ -32442,7 +32439,7 @@
                     <a:p>
                       <a:pPr algn="l" fontAlgn="ctr"/>
                       <a:r>
-                        <a:rPr lang="ko-KR" altLang="en-US" sz="1100" u="none" strike="noStrike" dirty="0">
+                        <a:rPr lang="ko-KR" altLang="en-US" sz="1100" u="none" strike="noStrike" smtClean="0">
                           <a:solidFill>
                             <a:schemeClr val="bg1"/>
                           </a:solidFill>
@@ -32468,7 +32465,7 @@
                     <a:p>
                       <a:pPr algn="l" fontAlgn="ctr"/>
                       <a:r>
-                        <a:rPr lang="ko-KR" altLang="en-US" sz="1100" u="none" strike="noStrike" dirty="0">
+                        <a:rPr lang="ko-KR" altLang="en-US" sz="1100" u="none" strike="noStrike" smtClean="0">
                           <a:solidFill>
                             <a:schemeClr val="bg1"/>
                           </a:solidFill>
@@ -32494,7 +32491,7 @@
                     <a:p>
                       <a:pPr algn="l" fontAlgn="ctr"/>
                       <a:r>
-                        <a:rPr lang="ko-KR" altLang="en-US" sz="1100" u="none" strike="noStrike" dirty="0">
+                        <a:rPr lang="ko-KR" altLang="en-US" sz="1100" u="none" strike="noStrike" dirty="0" smtClean="0">
                           <a:solidFill>
                             <a:schemeClr val="bg1"/>
                           </a:solidFill>
@@ -32520,7 +32517,7 @@
                     <a:p>
                       <a:pPr algn="l" fontAlgn="ctr"/>
                       <a:r>
-                        <a:rPr lang="ko-KR" altLang="en-US" sz="1100" u="none" strike="noStrike" dirty="0">
+                        <a:rPr lang="ko-KR" altLang="en-US" sz="1100" u="none" strike="noStrike" smtClean="0">
                           <a:solidFill>
                             <a:schemeClr val="bg1"/>
                           </a:solidFill>
@@ -32546,7 +32543,7 @@
                     <a:p>
                       <a:pPr algn="l" fontAlgn="ctr"/>
                       <a:r>
-                        <a:rPr lang="ko-KR" altLang="en-US" sz="1100" u="none" strike="noStrike" dirty="0">
+                        <a:rPr lang="ko-KR" altLang="en-US" sz="1100" u="none" strike="noStrike" smtClean="0">
                           <a:solidFill>
                             <a:schemeClr val="bg1"/>
                           </a:solidFill>
@@ -32555,7 +32552,7 @@
                         <a:t>제품</a:t>
                       </a:r>
                       <a:r>
-                        <a:rPr lang="en-US" altLang="ko-KR" sz="1100" u="none" strike="noStrike" dirty="0">
+                        <a:rPr lang="en-US" altLang="ko-KR" sz="1100" u="none" strike="noStrike" smtClean="0">
                           <a:solidFill>
                             <a:schemeClr val="bg1"/>
                           </a:solidFill>
@@ -32564,7 +32561,7 @@
                         <a:t>_</a:t>
                       </a:r>
                       <a:r>
-                        <a:rPr lang="ko-KR" altLang="en-US" sz="1100" u="none" strike="noStrike" dirty="0">
+                        <a:rPr lang="ko-KR" altLang="en-US" sz="1100" u="none" strike="noStrike" smtClean="0">
                           <a:solidFill>
                             <a:schemeClr val="bg1"/>
                           </a:solidFill>
@@ -32592,7 +32589,7 @@
                     <a:p>
                       <a:pPr algn="l" fontAlgn="ctr"/>
                       <a:r>
-                        <a:rPr lang="en-US" sz="1100" u="none" strike="noStrike" dirty="0" err="1" smtClean="0">
+                        <a:rPr lang="en-US" sz="1100" u="none" strike="noStrike" smtClean="0">
                           <a:solidFill>
                             <a:schemeClr val="bg1"/>
                           </a:solidFill>
@@ -32618,7 +32615,7 @@
                     <a:p>
                       <a:pPr algn="l" fontAlgn="ctr"/>
                       <a:r>
-                        <a:rPr lang="en-US" sz="1100" u="none" strike="noStrike">
+                        <a:rPr lang="en-US" sz="1100" u="none" strike="noStrike" smtClean="0">
                           <a:solidFill>
                             <a:schemeClr val="bg1"/>
                           </a:solidFill>
@@ -32644,7 +32641,7 @@
                     <a:p>
                       <a:pPr algn="l" fontAlgn="ctr"/>
                       <a:r>
-                        <a:rPr lang="ko-KR" altLang="en-US" sz="1100" u="none" strike="noStrike">
+                        <a:rPr lang="ko-KR" altLang="en-US" sz="1100" u="none" strike="noStrike" smtClean="0">
                           <a:solidFill>
                             <a:schemeClr val="bg1"/>
                           </a:solidFill>
@@ -32670,7 +32667,7 @@
                     <a:p>
                       <a:pPr algn="l" fontAlgn="ctr"/>
                       <a:r>
-                        <a:rPr lang="ko-KR" altLang="en-US" sz="1100" u="none" strike="noStrike">
+                        <a:rPr lang="ko-KR" altLang="en-US" sz="1100" u="none" strike="noStrike" smtClean="0">
                           <a:solidFill>
                             <a:schemeClr val="bg1"/>
                           </a:solidFill>
@@ -32696,7 +32693,7 @@
                     <a:p>
                       <a:pPr algn="l" fontAlgn="ctr"/>
                       <a:r>
-                        <a:rPr lang="ko-KR" altLang="en-US" sz="1100" u="none" strike="noStrike">
+                        <a:rPr lang="ko-KR" altLang="en-US" sz="1100" u="none" strike="noStrike" smtClean="0">
                           <a:solidFill>
                             <a:schemeClr val="bg1"/>
                           </a:solidFill>
@@ -32722,7 +32719,7 @@
                     <a:p>
                       <a:pPr algn="l" fontAlgn="ctr"/>
                       <a:r>
-                        <a:rPr lang="ko-KR" altLang="en-US" sz="1100" u="none" strike="noStrike" dirty="0">
+                        <a:rPr lang="ko-KR" altLang="en-US" sz="1100" u="none" strike="noStrike" smtClean="0">
                           <a:solidFill>
                             <a:schemeClr val="bg1"/>
                           </a:solidFill>
@@ -32748,7 +32745,7 @@
                     <a:p>
                       <a:pPr algn="l" fontAlgn="ctr"/>
                       <a:r>
-                        <a:rPr lang="ko-KR" altLang="en-US" sz="1100" u="none" strike="noStrike" dirty="0">
+                        <a:rPr lang="ko-KR" altLang="en-US" sz="1100" u="none" strike="noStrike" dirty="0" smtClean="0">
                           <a:solidFill>
                             <a:schemeClr val="bg1"/>
                           </a:solidFill>
@@ -32774,7 +32771,7 @@
                     <a:p>
                       <a:pPr algn="l" fontAlgn="ctr"/>
                       <a:r>
-                        <a:rPr lang="ko-KR" altLang="en-US" sz="1100" u="none" strike="noStrike" dirty="0">
+                        <a:rPr lang="ko-KR" altLang="en-US" sz="1100" u="none" strike="noStrike" smtClean="0">
                           <a:solidFill>
                             <a:schemeClr val="bg1"/>
                           </a:solidFill>
@@ -32783,7 +32780,7 @@
                         <a:t>제품</a:t>
                       </a:r>
                       <a:r>
-                        <a:rPr lang="en-US" altLang="ko-KR" sz="1100" u="none" strike="noStrike" dirty="0">
+                        <a:rPr lang="en-US" altLang="ko-KR" sz="1100" u="none" strike="noStrike" smtClean="0">
                           <a:solidFill>
                             <a:schemeClr val="bg1"/>
                           </a:solidFill>
@@ -32792,7 +32789,7 @@
                         <a:t>_</a:t>
                       </a:r>
                       <a:r>
-                        <a:rPr lang="ko-KR" altLang="en-US" sz="1100" u="none" strike="noStrike" dirty="0">
+                        <a:rPr lang="ko-KR" altLang="en-US" sz="1100" u="none" strike="noStrike" smtClean="0">
                           <a:solidFill>
                             <a:schemeClr val="bg1"/>
                           </a:solidFill>
@@ -32820,7 +32817,7 @@
                     <a:p>
                       <a:pPr algn="l" fontAlgn="ctr"/>
                       <a:r>
-                        <a:rPr lang="en-US" sz="1100" u="none" strike="noStrike" dirty="0" err="1" smtClean="0">
+                        <a:rPr lang="en-US" sz="1100" u="none" strike="noStrike" smtClean="0">
                           <a:solidFill>
                             <a:schemeClr val="bg1"/>
                           </a:solidFill>
@@ -32846,7 +32843,7 @@
                     <a:p>
                       <a:pPr algn="l" fontAlgn="ctr"/>
                       <a:r>
-                        <a:rPr lang="en-US" sz="1100" u="none" strike="noStrike">
+                        <a:rPr lang="en-US" sz="1100" u="none" strike="noStrike" smtClean="0">
                           <a:solidFill>
                             <a:schemeClr val="bg1"/>
                           </a:solidFill>
@@ -32872,7 +32869,7 @@
                     <a:p>
                       <a:pPr algn="l" fontAlgn="ctr"/>
                       <a:r>
-                        <a:rPr lang="ko-KR" altLang="en-US" sz="1100" u="none" strike="noStrike">
+                        <a:rPr lang="ko-KR" altLang="en-US" sz="1100" u="none" strike="noStrike" smtClean="0">
                           <a:solidFill>
                             <a:schemeClr val="bg1"/>
                           </a:solidFill>
@@ -32898,7 +32895,7 @@
                     <a:p>
                       <a:pPr algn="l" fontAlgn="ctr"/>
                       <a:r>
-                        <a:rPr lang="ko-KR" altLang="en-US" sz="1100" u="none" strike="noStrike">
+                        <a:rPr lang="ko-KR" altLang="en-US" sz="1100" u="none" strike="noStrike" smtClean="0">
                           <a:solidFill>
                             <a:schemeClr val="bg1"/>
                           </a:solidFill>
@@ -32924,7 +32921,7 @@
                     <a:p>
                       <a:pPr algn="l" fontAlgn="ctr"/>
                       <a:r>
-                        <a:rPr lang="ko-KR" altLang="en-US" sz="1100" u="none" strike="noStrike" dirty="0">
+                        <a:rPr lang="ko-KR" altLang="en-US" sz="1100" u="none" strike="noStrike" smtClean="0">
                           <a:solidFill>
                             <a:schemeClr val="bg1"/>
                           </a:solidFill>
@@ -32950,7 +32947,7 @@
                     <a:p>
                       <a:pPr algn="l" fontAlgn="ctr"/>
                       <a:r>
-                        <a:rPr lang="ko-KR" altLang="en-US" sz="1100" u="none" strike="noStrike" dirty="0">
+                        <a:rPr lang="ko-KR" altLang="en-US" sz="1100" u="none" strike="noStrike" smtClean="0">
                           <a:solidFill>
                             <a:schemeClr val="bg1"/>
                           </a:solidFill>
@@ -32976,7 +32973,7 @@
                     <a:p>
                       <a:pPr algn="l" fontAlgn="ctr"/>
                       <a:r>
-                        <a:rPr lang="ko-KR" altLang="en-US" sz="1100" u="none" strike="noStrike" dirty="0">
+                        <a:rPr lang="ko-KR" altLang="en-US" sz="1100" u="none" strike="noStrike" dirty="0" smtClean="0">
                           <a:solidFill>
                             <a:schemeClr val="bg1"/>
                           </a:solidFill>
@@ -33002,7 +32999,7 @@
                     <a:p>
                       <a:pPr algn="l" fontAlgn="ctr"/>
                       <a:r>
-                        <a:rPr lang="ko-KR" altLang="en-US" sz="1100" u="none" strike="noStrike" dirty="0">
+                        <a:rPr lang="ko-KR" altLang="en-US" sz="1100" u="none" strike="noStrike" dirty="0" smtClean="0">
                           <a:solidFill>
                             <a:schemeClr val="bg1"/>
                           </a:solidFill>
@@ -33011,7 +33008,7 @@
                         <a:t>제품</a:t>
                       </a:r>
                       <a:r>
-                        <a:rPr lang="en-US" altLang="ko-KR" sz="1100" u="none" strike="noStrike" dirty="0">
+                        <a:rPr lang="en-US" altLang="ko-KR" sz="1100" u="none" strike="noStrike" dirty="0" smtClean="0">
                           <a:solidFill>
                             <a:schemeClr val="bg1"/>
                           </a:solidFill>
@@ -33020,7 +33017,7 @@
                         <a:t>_</a:t>
                       </a:r>
                       <a:r>
-                        <a:rPr lang="ko-KR" altLang="en-US" sz="1100" u="none" strike="noStrike" dirty="0">
+                        <a:rPr lang="ko-KR" altLang="en-US" sz="1100" u="none" strike="noStrike" dirty="0" smtClean="0">
                           <a:solidFill>
                             <a:schemeClr val="bg1"/>
                           </a:solidFill>
@@ -33048,7 +33045,7 @@
                     <a:p>
                       <a:pPr algn="l" fontAlgn="ctr"/>
                       <a:r>
-                        <a:rPr lang="en-US" sz="1100" u="none" strike="noStrike" dirty="0" err="1" smtClean="0">
+                        <a:rPr lang="en-US" sz="1100" u="none" strike="noStrike" smtClean="0">
                           <a:solidFill>
                             <a:schemeClr val="bg1"/>
                           </a:solidFill>
@@ -33074,7 +33071,7 @@
                     <a:p>
                       <a:pPr algn="l" fontAlgn="ctr"/>
                       <a:r>
-                        <a:rPr lang="en-US" sz="1100" u="none" strike="noStrike" dirty="0">
+                        <a:rPr lang="en-US" sz="1100" u="none" strike="noStrike" smtClean="0">
                           <a:solidFill>
                             <a:schemeClr val="bg1"/>
                           </a:solidFill>
@@ -33100,7 +33097,7 @@
                     <a:p>
                       <a:pPr algn="l" fontAlgn="ctr"/>
                       <a:r>
-                        <a:rPr lang="ko-KR" altLang="en-US" sz="1100" u="none" strike="noStrike" dirty="0">
+                        <a:rPr lang="ko-KR" altLang="en-US" sz="1100" u="none" strike="noStrike" smtClean="0">
                           <a:solidFill>
                             <a:schemeClr val="bg1"/>
                           </a:solidFill>
@@ -33126,7 +33123,7 @@
                     <a:p>
                       <a:pPr algn="l" fontAlgn="ctr"/>
                       <a:r>
-                        <a:rPr lang="ko-KR" altLang="en-US" sz="1100" u="none" strike="noStrike">
+                        <a:rPr lang="ko-KR" altLang="en-US" sz="1100" u="none" strike="noStrike" smtClean="0">
                           <a:solidFill>
                             <a:schemeClr val="bg1"/>
                           </a:solidFill>
@@ -33152,7 +33149,7 @@
                     <a:p>
                       <a:pPr algn="l" fontAlgn="ctr"/>
                       <a:r>
-                        <a:rPr lang="ko-KR" altLang="en-US" sz="1100" u="none" strike="noStrike" dirty="0">
+                        <a:rPr lang="ko-KR" altLang="en-US" sz="1100" u="none" strike="noStrike" smtClean="0">
                           <a:solidFill>
                             <a:schemeClr val="bg1"/>
                           </a:solidFill>
@@ -33178,7 +33175,7 @@
                     <a:p>
                       <a:pPr algn="l" fontAlgn="ctr"/>
                       <a:r>
-                        <a:rPr lang="ko-KR" altLang="en-US" sz="1100" u="none" strike="noStrike" dirty="0">
+                        <a:rPr lang="ko-KR" altLang="en-US" sz="1100" u="none" strike="noStrike" smtClean="0">
                           <a:solidFill>
                             <a:schemeClr val="bg1"/>
                           </a:solidFill>
@@ -33204,7 +33201,7 @@
                     <a:p>
                       <a:pPr algn="l" fontAlgn="ctr"/>
                       <a:r>
-                        <a:rPr lang="ko-KR" altLang="en-US" sz="1100" u="none" strike="noStrike" dirty="0">
+                        <a:rPr lang="ko-KR" altLang="en-US" sz="1100" u="none" strike="noStrike" smtClean="0">
                           <a:solidFill>
                             <a:schemeClr val="bg1"/>
                           </a:solidFill>
@@ -33230,7 +33227,7 @@
                     <a:p>
                       <a:pPr algn="l" fontAlgn="ctr"/>
                       <a:r>
-                        <a:rPr lang="ko-KR" altLang="en-US" sz="1100" u="none" strike="noStrike" dirty="0">
+                        <a:rPr lang="ko-KR" altLang="en-US" sz="1100" u="none" strike="noStrike" dirty="0" smtClean="0">
                           <a:solidFill>
                             <a:schemeClr val="bg1"/>
                           </a:solidFill>
@@ -33239,7 +33236,7 @@
                         <a:t>제품</a:t>
                       </a:r>
                       <a:r>
-                        <a:rPr lang="en-US" altLang="ko-KR" sz="1100" u="none" strike="noStrike" dirty="0">
+                        <a:rPr lang="en-US" altLang="ko-KR" sz="1100" u="none" strike="noStrike" dirty="0" smtClean="0">
                           <a:solidFill>
                             <a:schemeClr val="bg1"/>
                           </a:solidFill>
@@ -33248,7 +33245,7 @@
                         <a:t>_</a:t>
                       </a:r>
                       <a:r>
-                        <a:rPr lang="ko-KR" altLang="en-US" sz="1100" u="none" strike="noStrike" dirty="0">
+                        <a:rPr lang="ko-KR" altLang="en-US" sz="1100" u="none" strike="noStrike" dirty="0" smtClean="0">
                           <a:solidFill>
                             <a:schemeClr val="bg1"/>
                           </a:solidFill>
@@ -33414,7 +33411,7 @@
           <p:nvPr>
             <p:extLst>
               <p:ext uri="{D42A27DB-BD31-4B8C-83A1-F6EECF244321}">
-                <p14:modId xmlns:p14="http://schemas.microsoft.com/office/powerpoint/2010/main" val="663265408"/>
+                <p14:modId xmlns:p14="http://schemas.microsoft.com/office/powerpoint/2010/main" val="1577001051"/>
               </p:ext>
             </p:extLst>
           </p:nvPr>
